--- a/implementation-compliance/overview.pptx
+++ b/implementation-compliance/overview.pptx
@@ -13417,8 +13417,8 @@
         </p:nvSpPr>
         <p:spPr>
           <a:xfrm rot="16200000">
-            <a:off x="3962478" y="2001717"/>
-            <a:ext cx="2810056" cy="400110"/>
+            <a:off x="4295220" y="1702374"/>
+            <a:ext cx="2418895" cy="584775"/>
           </a:xfrm>
           <a:prstGeom prst="rect">
             <a:avLst/>
@@ -13430,7 +13430,7 @@
           </a:bodyPr>
           <a:lstStyle/>
           <a:p>
-            <a:pPr algn="r"/>
+            <a:pPr algn="ctr"/>
             <a:r>
               <a:rPr lang="ja-JP" altLang="en-US" sz="2000" b="1" dirty="0">
                 <a:solidFill>
@@ -13439,8 +13439,18 @@
                   </a:schemeClr>
                 </a:solidFill>
               </a:rPr>
-              <a:t>未規定の動作 </a:t>
-            </a:r>
+              <a:t>未規定の動作</a:t>
+            </a:r>
+            <a:endParaRPr lang="en-US" altLang="ja-JP" sz="2000" b="1" dirty="0">
+              <a:solidFill>
+                <a:schemeClr val="accent5">
+                  <a:lumMod val="75000"/>
+                </a:schemeClr>
+              </a:solidFill>
+            </a:endParaRPr>
+          </a:p>
+          <a:p>
+            <a:pPr algn="ctr"/>
             <a:r>
               <a:rPr lang="ja-JP" altLang="en-US" sz="1200" dirty="0">
                 <a:solidFill>
@@ -14002,7 +14012,7 @@
         </p:nvSpPr>
         <p:spPr>
           <a:xfrm>
-            <a:off x="7063374" y="4966465"/>
+            <a:off x="7063374" y="5381755"/>
             <a:ext cx="455747" cy="193372"/>
           </a:xfrm>
           <a:prstGeom prst="rect">
@@ -14049,7 +14059,7 @@
         </p:nvSpPr>
         <p:spPr>
           <a:xfrm>
-            <a:off x="7541506" y="4884855"/>
+            <a:off x="7541506" y="5300145"/>
             <a:ext cx="1286033" cy="384721"/>
           </a:xfrm>
           <a:prstGeom prst="rect">
@@ -14181,53 +14191,6 @@
             <a:chExt cx="963739" cy="3123483"/>
           </a:xfrm>
         </p:grpSpPr>
-        <p:sp>
-          <p:nvSpPr>
-            <p:cNvPr id="28" name="正方形/長方形 27"/>
-            <p:cNvSpPr/>
-            <p:nvPr/>
-          </p:nvSpPr>
-          <p:spPr>
-            <a:xfrm>
-              <a:off x="6060030" y="4844037"/>
-              <a:ext cx="722490" cy="1561797"/>
-            </a:xfrm>
-            <a:prstGeom prst="rect">
-              <a:avLst/>
-            </a:prstGeom>
-            <a:noFill/>
-            <a:ln w="38100" cmpd="dbl">
-              <a:solidFill>
-                <a:srgbClr val="FF0000"/>
-              </a:solidFill>
-              <a:prstDash val="dash"/>
-            </a:ln>
-          </p:spPr>
-          <p:style>
-            <a:lnRef idx="2">
-              <a:schemeClr val="accent1">
-                <a:shade val="50000"/>
-              </a:schemeClr>
-            </a:lnRef>
-            <a:fillRef idx="1">
-              <a:schemeClr val="accent1"/>
-            </a:fillRef>
-            <a:effectRef idx="0">
-              <a:schemeClr val="accent1"/>
-            </a:effectRef>
-            <a:fontRef idx="minor">
-              <a:schemeClr val="lt1"/>
-            </a:fontRef>
-          </p:style>
-          <p:txBody>
-            <a:bodyPr rtlCol="0" anchor="ctr"/>
-            <a:lstStyle/>
-            <a:p>
-              <a:pPr algn="ctr"/>
-              <a:endParaRPr kumimoji="1" lang="ja-JP" altLang="en-US"/>
-            </a:p>
-          </p:txBody>
-        </p:sp>
         <p:sp>
           <p:nvSpPr>
             <p:cNvPr id="23" name="正方形/長方形 22"/>
@@ -14520,6 +14483,53 @@
             </a:p>
           </p:txBody>
         </p:sp>
+        <p:sp>
+          <p:nvSpPr>
+            <p:cNvPr id="28" name="正方形/長方形 27"/>
+            <p:cNvSpPr/>
+            <p:nvPr/>
+          </p:nvSpPr>
+          <p:spPr>
+            <a:xfrm>
+              <a:off x="6060030" y="4839843"/>
+              <a:ext cx="722490" cy="1565991"/>
+            </a:xfrm>
+            <a:prstGeom prst="rect">
+              <a:avLst/>
+            </a:prstGeom>
+            <a:noFill/>
+            <a:ln w="38100" cmpd="dbl">
+              <a:solidFill>
+                <a:srgbClr val="FF0000"/>
+              </a:solidFill>
+              <a:prstDash val="dash"/>
+            </a:ln>
+          </p:spPr>
+          <p:style>
+            <a:lnRef idx="2">
+              <a:schemeClr val="accent1">
+                <a:shade val="50000"/>
+              </a:schemeClr>
+            </a:lnRef>
+            <a:fillRef idx="1">
+              <a:schemeClr val="accent1"/>
+            </a:fillRef>
+            <a:effectRef idx="0">
+              <a:schemeClr val="accent1"/>
+            </a:effectRef>
+            <a:fontRef idx="minor">
+              <a:schemeClr val="lt1"/>
+            </a:fontRef>
+          </p:style>
+          <p:txBody>
+            <a:bodyPr rtlCol="0" anchor="ctr"/>
+            <a:lstStyle/>
+            <a:p>
+              <a:pPr algn="ctr"/>
+              <a:endParaRPr kumimoji="1" lang="ja-JP" altLang="en-US"/>
+            </a:p>
+          </p:txBody>
+        </p:sp>
       </p:grpSp>
       <p:sp>
         <p:nvSpPr>
@@ -14576,7 +14586,7 @@
         </p:nvSpPr>
         <p:spPr>
           <a:xfrm>
-            <a:off x="7063374" y="5353695"/>
+            <a:off x="7063374" y="5768985"/>
             <a:ext cx="462096" cy="203214"/>
           </a:xfrm>
           <a:prstGeom prst="rect">
@@ -14623,7 +14633,7 @@
         </p:nvSpPr>
         <p:spPr>
           <a:xfrm>
-            <a:off x="7554364" y="5261893"/>
+            <a:off x="7554364" y="5677183"/>
             <a:ext cx="1263650" cy="630942"/>
           </a:xfrm>
           <a:prstGeom prst="rect">
@@ -15035,8 +15045,8 @@
         </p:nvSpPr>
         <p:spPr>
           <a:xfrm rot="16200000">
-            <a:off x="4077257" y="4808770"/>
-            <a:ext cx="2872740" cy="585639"/>
+            <a:off x="3856281" y="4587790"/>
+            <a:ext cx="3314700" cy="585639"/>
           </a:xfrm>
           <a:prstGeom prst="rect">
             <a:avLst/>
@@ -15044,8 +15054,11 @@
           <a:solidFill>
             <a:srgbClr val="F7B3B3"/>
           </a:solidFill>
-          <a:ln>
-            <a:noFill/>
+          <a:ln w="19050">
+            <a:solidFill>
+              <a:srgbClr val="FF0000"/>
+            </a:solidFill>
+            <a:prstDash val="lgDash"/>
           </a:ln>
         </p:spPr>
         <p:style>
@@ -15074,7 +15087,31 @@
                   <a:srgbClr val="C00000"/>
                 </a:solidFill>
               </a:rPr>
-              <a:t>エラー性の動作　　　　</a:t>
+              <a:t>エラー性の動作</a:t>
+            </a:r>
+            <a:r>
+              <a:rPr kumimoji="1" lang="ja-JP" altLang="en-US" sz="2000" dirty="0">
+                <a:solidFill>
+                  <a:srgbClr val="C00000"/>
+                </a:solidFill>
+              </a:rPr>
+              <a:t> </a:t>
+            </a:r>
+            <a:r>
+              <a:rPr kumimoji="1" lang="en-US" altLang="ja-JP" sz="2000" dirty="0">
+                <a:solidFill>
+                  <a:srgbClr val="C00000"/>
+                </a:solidFill>
+              </a:rPr>
+              <a:t>(EB)</a:t>
+            </a:r>
+            <a:r>
+              <a:rPr kumimoji="1" lang="ja-JP" altLang="en-US" sz="2000" b="1" dirty="0">
+                <a:solidFill>
+                  <a:srgbClr val="C00000"/>
+                </a:solidFill>
+              </a:rPr>
+              <a:t>　　　　</a:t>
             </a:r>
           </a:p>
         </p:txBody>
@@ -15088,7 +15125,7 @@
         <p:spPr>
           <a:xfrm>
             <a:off x="5156200" y="709757"/>
-            <a:ext cx="716280" cy="3877483"/>
+            <a:ext cx="716280" cy="3469813"/>
           </a:xfrm>
           <a:prstGeom prst="rect">
             <a:avLst/>
@@ -15141,8 +15178,8 @@
         </p:nvSpPr>
         <p:spPr>
           <a:xfrm rot="16200000">
-            <a:off x="5081351" y="3914595"/>
-            <a:ext cx="838201" cy="430887"/>
+            <a:off x="5047067" y="3495718"/>
+            <a:ext cx="914397" cy="384721"/>
           </a:xfrm>
           <a:prstGeom prst="rect">
             <a:avLst/>
@@ -15156,27 +15193,28 @@
           <a:p>
             <a:pPr algn="ctr"/>
             <a:r>
+              <a:rPr lang="ja-JP" altLang="en-US" sz="800" dirty="0">
+                <a:solidFill>
+                  <a:srgbClr val="C00000"/>
+                </a:solidFill>
+              </a:rPr>
+              <a:t>未規定の時点で</a:t>
+            </a:r>
+            <a:endParaRPr lang="en-US" altLang="ja-JP" sz="800" dirty="0">
+              <a:solidFill>
+                <a:srgbClr val="C00000"/>
+              </a:solidFill>
+            </a:endParaRPr>
+          </a:p>
+          <a:p>
+            <a:pPr algn="ctr"/>
+            <a:r>
               <a:rPr lang="ja-JP" altLang="en-US" sz="1100" dirty="0">
                 <a:solidFill>
                   <a:srgbClr val="C00000"/>
                 </a:solidFill>
               </a:rPr>
-              <a:t>未規定の</a:t>
-            </a:r>
-            <a:br>
-              <a:rPr lang="en-US" altLang="ja-JP" sz="1100" dirty="0">
-                <a:solidFill>
-                  <a:srgbClr val="C00000"/>
-                </a:solidFill>
-              </a:rPr>
-            </a:br>
-            <a:r>
-              <a:rPr lang="ja-JP" altLang="en-US" sz="1100" dirty="0">
-                <a:solidFill>
-                  <a:srgbClr val="C00000"/>
-                </a:solidFill>
-              </a:rPr>
-              <a:t>実行終了</a:t>
+              <a:t>実行終了可</a:t>
             </a:r>
             <a:endParaRPr lang="en-US" altLang="ja-JP" sz="1100" dirty="0">
               <a:solidFill>
@@ -15250,6 +15288,113 @@
               </a:solidFill>
               <a:ea typeface="メイリオ" panose="020B0604030504040204" pitchFamily="50" charset="-128"/>
             </a:endParaRPr>
+          </a:p>
+        </p:txBody>
+      </p:sp>
+      <p:sp>
+        <p:nvSpPr>
+          <p:cNvPr id="14" name="正方形/長方形 13">
+            <a:extLst>
+              <a:ext uri="{FF2B5EF4-FFF2-40B4-BE49-F238E27FC236}">
+                <a16:creationId xmlns:a16="http://schemas.microsoft.com/office/drawing/2014/main" id="{F933EA92-5969-EC4F-1399-D3F3B4465DA6}"/>
+              </a:ext>
+            </a:extLst>
+          </p:cNvPr>
+          <p:cNvSpPr/>
+          <p:nvPr/>
+        </p:nvSpPr>
+        <p:spPr>
+          <a:xfrm>
+            <a:off x="7067185" y="4997581"/>
+            <a:ext cx="450828" cy="214010"/>
+          </a:xfrm>
+          <a:prstGeom prst="rect">
+            <a:avLst/>
+          </a:prstGeom>
+          <a:noFill/>
+          <a:ln w="19050" cmpd="sng">
+            <a:solidFill>
+              <a:srgbClr val="FF0000"/>
+            </a:solidFill>
+            <a:prstDash val="dash"/>
+          </a:ln>
+        </p:spPr>
+        <p:style>
+          <a:lnRef idx="2">
+            <a:schemeClr val="accent1">
+              <a:shade val="50000"/>
+            </a:schemeClr>
+          </a:lnRef>
+          <a:fillRef idx="1">
+            <a:schemeClr val="accent1"/>
+          </a:fillRef>
+          <a:effectRef idx="0">
+            <a:schemeClr val="accent1"/>
+          </a:effectRef>
+          <a:fontRef idx="minor">
+            <a:schemeClr val="lt1"/>
+          </a:fontRef>
+        </p:style>
+        <p:txBody>
+          <a:bodyPr rtlCol="0" anchor="ctr"/>
+          <a:lstStyle/>
+          <a:p>
+            <a:pPr algn="ctr"/>
+            <a:endParaRPr kumimoji="1" lang="ja-JP" altLang="en-US"/>
+          </a:p>
+        </p:txBody>
+      </p:sp>
+      <p:sp>
+        <p:nvSpPr>
+          <p:cNvPr id="46" name="正方形/長方形 45">
+            <a:extLst>
+              <a:ext uri="{FF2B5EF4-FFF2-40B4-BE49-F238E27FC236}">
+                <a16:creationId xmlns:a16="http://schemas.microsoft.com/office/drawing/2014/main" id="{91618A4C-1E65-3D55-6D32-B91A4A7A9579}"/>
+              </a:ext>
+            </a:extLst>
+          </p:cNvPr>
+          <p:cNvSpPr/>
+          <p:nvPr/>
+        </p:nvSpPr>
+        <p:spPr>
+          <a:xfrm>
+            <a:off x="7617624" y="4911206"/>
+            <a:ext cx="1031076" cy="369332"/>
+          </a:xfrm>
+          <a:prstGeom prst="rect">
+            <a:avLst/>
+          </a:prstGeom>
+        </p:spPr>
+        <p:txBody>
+          <a:bodyPr wrap="square">
+            <a:spAutoFit/>
+          </a:bodyPr>
+          <a:lstStyle/>
+          <a:p>
+            <a:pPr algn="ctr"/>
+            <a:r>
+              <a:rPr lang="ja-JP" altLang="en-US" sz="900" dirty="0">
+                <a:solidFill>
+                  <a:srgbClr val="FF0000"/>
+                </a:solidFill>
+              </a:rPr>
+              <a:t>診断情報の発行</a:t>
+            </a:r>
+            <a:br>
+              <a:rPr lang="en-US" altLang="ja-JP" sz="900" dirty="0">
+                <a:solidFill>
+                  <a:srgbClr val="FF0000"/>
+                </a:solidFill>
+              </a:rPr>
+            </a:br>
+            <a:r>
+              <a:rPr lang="ja-JP" altLang="en-US" sz="900" dirty="0">
+                <a:solidFill>
+                  <a:srgbClr val="FF0000"/>
+                </a:solidFill>
+              </a:rPr>
+              <a:t>の推奨</a:t>
+            </a:r>
           </a:p>
         </p:txBody>
       </p:sp>
